--- a/data/geografija/prezentacije/E1_003_Ekonomski_sektori.pptx
+++ b/data/geografija/prezentacije/E1_003_Ekonomski_sektori.pptx
@@ -206,7 +206,7 @@
             <a:fld id="{FCB922A3-0C2E-4D94-AFF5-90A2C0AB44AC}" type="datetimeFigureOut">
               <a:rPr lang="hr-HR" smtClean="0"/>
               <a:pPr/>
-              <a:t>12.10.2019.</a:t>
+              <a:t>13.10.2019.</a:t>
             </a:fld>
             <a:endParaRPr lang="hr-HR"/>
           </a:p>
@@ -373,7 +373,7 @@
             <a:fld id="{1542121D-D7BC-4175-A702-9B7BBD6019B1}" type="datetimeFigureOut">
               <a:rPr lang="sr-Latn-CS" smtClean="0"/>
               <a:pPr/>
-              <a:t>12.10.2019.</a:t>
+              <a:t>13.10.2019.</a:t>
             </a:fld>
             <a:endParaRPr lang="hr-HR"/>
           </a:p>
@@ -832,7 +832,7 @@
                 </a:solidFill>
               </a:rPr>
               <a:pPr/>
-              <a:t>12.10.2019.</a:t>
+              <a:t>13.10.2019.</a:t>
             </a:fld>
             <a:endParaRPr lang="hr-HR">
               <a:solidFill>
@@ -1037,7 +1037,7 @@
                 </a:solidFill>
               </a:rPr>
               <a:pPr/>
-              <a:t>12.10.2019.</a:t>
+              <a:t>13.10.2019.</a:t>
             </a:fld>
             <a:endParaRPr lang="hr-HR">
               <a:solidFill>
@@ -1252,7 +1252,7 @@
                 </a:solidFill>
               </a:rPr>
               <a:pPr/>
-              <a:t>12.10.2019.</a:t>
+              <a:t>13.10.2019.</a:t>
             </a:fld>
             <a:endParaRPr lang="hr-HR">
               <a:solidFill>
@@ -1719,7 +1719,7 @@
                 </a:solidFill>
               </a:rPr>
               <a:pPr/>
-              <a:t>12.10.2019.</a:t>
+              <a:t>13.10.2019.</a:t>
             </a:fld>
             <a:endParaRPr lang="hr-HR">
               <a:solidFill>
@@ -2042,7 +2042,7 @@
                 </a:solidFill>
               </a:rPr>
               <a:pPr/>
-              <a:t>12.10.2019.</a:t>
+              <a:t>13.10.2019.</a:t>
             </a:fld>
             <a:endParaRPr lang="hr-HR">
               <a:solidFill>
@@ -2499,7 +2499,7 @@
                 </a:solidFill>
               </a:rPr>
               <a:pPr/>
-              <a:t>12.10.2019.</a:t>
+              <a:t>13.10.2019.</a:t>
             </a:fld>
             <a:endParaRPr lang="hr-HR">
               <a:solidFill>
@@ -2652,7 +2652,7 @@
                 </a:solidFill>
               </a:rPr>
               <a:pPr/>
-              <a:t>12.10.2019.</a:t>
+              <a:t>13.10.2019.</a:t>
             </a:fld>
             <a:endParaRPr lang="hr-HR">
               <a:solidFill>
@@ -2782,7 +2782,7 @@
                 </a:solidFill>
               </a:rPr>
               <a:pPr/>
-              <a:t>12.10.2019.</a:t>
+              <a:t>13.10.2019.</a:t>
             </a:fld>
             <a:endParaRPr lang="hr-HR">
               <a:solidFill>
@@ -3094,7 +3094,7 @@
                 </a:solidFill>
               </a:rPr>
               <a:pPr/>
-              <a:t>12.10.2019.</a:t>
+              <a:t>13.10.2019.</a:t>
             </a:fld>
             <a:endParaRPr lang="hr-HR">
               <a:solidFill>
@@ -3382,7 +3382,7 @@
                 </a:solidFill>
               </a:rPr>
               <a:pPr/>
-              <a:t>12.10.2019.</a:t>
+              <a:t>13.10.2019.</a:t>
             </a:fld>
             <a:endParaRPr lang="hr-HR">
               <a:solidFill>
@@ -3630,7 +3630,7 @@
                 </a:solidFill>
               </a:rPr>
               <a:pPr/>
-              <a:t>12.10.2019.</a:t>
+              <a:t>13.10.2019.</a:t>
             </a:fld>
             <a:endParaRPr lang="hr-HR">
               <a:solidFill>
@@ -5900,70 +5900,6 @@
       </p:grpSpPr>
       <p:pic>
         <p:nvPicPr>
-          <p:cNvPr id="33" name="Picture 2"/>
-          <p:cNvPicPr>
-            <a:picLocks noChangeAspect="1" noChangeArrowheads="1"/>
-          </p:cNvPicPr>
-          <p:nvPr/>
-        </p:nvPicPr>
-        <p:blipFill rotWithShape="1">
-          <a:blip r:embed="rId2">
-            <a:extLst>
-              <a:ext uri="{BEBA8EAE-BF5A-486C-A8C5-ECC9F3942E4B}">
-                <a14:imgProps xmlns:a14="http://schemas.microsoft.com/office/drawing/2010/main">
-                  <a14:imgLayer r:embed="rId3">
-                    <a14:imgEffect>
-                      <a14:sharpenSoften amount="50000"/>
-                    </a14:imgEffect>
-                    <a14:imgEffect>
-                      <a14:brightnessContrast bright="17000" contrast="-10000"/>
-                    </a14:imgEffect>
-                  </a14:imgLayer>
-                </a14:imgProps>
-              </a:ext>
-              <a:ext uri="{28A0092B-C50C-407E-A947-70E740481C1C}">
-                <a14:useLocalDpi xmlns:a14="http://schemas.microsoft.com/office/drawing/2010/main" val="0"/>
-              </a:ext>
-            </a:extLst>
-          </a:blip>
-          <a:srcRect l="4700" t="79095" r="2211" b="1"/>
-          <a:stretch/>
-        </p:blipFill>
-        <p:spPr bwMode="auto">
-          <a:xfrm>
-            <a:off x="395536" y="4707172"/>
-            <a:ext cx="8568951" cy="967492"/>
-          </a:xfrm>
-          <a:prstGeom prst="rect">
-            <a:avLst/>
-          </a:prstGeom>
-          <a:noFill/>
-          <a:ln>
-            <a:noFill/>
-          </a:ln>
-          <a:extLst>
-            <a:ext uri="{909E8E84-426E-40DD-AFC4-6F175D3DCCD1}">
-              <a14:hiddenFill xmlns:a14="http://schemas.microsoft.com/office/drawing/2010/main">
-                <a:solidFill>
-                  <a:schemeClr val="accent1"/>
-                </a:solidFill>
-              </a14:hiddenFill>
-            </a:ext>
-            <a:ext uri="{91240B29-F687-4F45-9708-019B960494DF}">
-              <a14:hiddenLine xmlns:a14="http://schemas.microsoft.com/office/drawing/2010/main" w="9525">
-                <a:solidFill>
-                  <a:schemeClr val="tx1"/>
-                </a:solidFill>
-                <a:miter lim="800000"/>
-                <a:headEnd/>
-                <a:tailEnd/>
-              </a14:hiddenLine>
-            </a:ext>
-          </a:extLst>
-        </p:spPr>
-      </p:pic>
-      <p:pic>
-        <p:nvPicPr>
           <p:cNvPr id="1026" name="Picture 2"/>
           <p:cNvPicPr>
             <a:picLocks noChangeAspect="1" noChangeArrowheads="1"/>
@@ -7282,6 +7218,517 @@
           </a:fontRef>
         </p:style>
       </p:cxnSp>
+      <p:grpSp>
+        <p:nvGrpSpPr>
+          <p:cNvPr id="35" name="Group 34"/>
+          <p:cNvGrpSpPr/>
+          <p:nvPr/>
+        </p:nvGrpSpPr>
+        <p:grpSpPr>
+          <a:xfrm>
+            <a:off x="520843" y="4636298"/>
+            <a:ext cx="8282772" cy="1745029"/>
+            <a:chOff x="520843" y="4636298"/>
+            <a:chExt cx="8282772" cy="1745029"/>
+          </a:xfrm>
+          <a:noFill/>
+        </p:grpSpPr>
+        <p:sp>
+          <p:nvSpPr>
+            <p:cNvPr id="3" name="TextBox 2"/>
+            <p:cNvSpPr txBox="1"/>
+            <p:nvPr/>
+          </p:nvSpPr>
+          <p:spPr>
+            <a:xfrm rot="16200000">
+              <a:off x="270133" y="4887008"/>
+              <a:ext cx="870751" cy="369332"/>
+            </a:xfrm>
+            <a:prstGeom prst="rect">
+              <a:avLst/>
+            </a:prstGeom>
+            <a:grpFill/>
+          </p:spPr>
+          <p:txBody>
+            <a:bodyPr wrap="none" rtlCol="0">
+              <a:spAutoFit/>
+            </a:bodyPr>
+            <a:lstStyle/>
+            <a:p>
+              <a:pPr algn="r"/>
+              <a:r>
+                <a:rPr lang="hr-HR" dirty="0" smtClean="0"/>
+                <a:t>Liberija</a:t>
+              </a:r>
+              <a:endParaRPr lang="hr-HR" dirty="0"/>
+            </a:p>
+          </p:txBody>
+        </p:sp>
+        <p:sp>
+          <p:nvSpPr>
+            <p:cNvPr id="36" name="TextBox 35"/>
+            <p:cNvSpPr txBox="1"/>
+            <p:nvPr/>
+          </p:nvSpPr>
+          <p:spPr>
+            <a:xfrm rot="16200000">
+              <a:off x="780631" y="4940709"/>
+              <a:ext cx="978153" cy="369332"/>
+            </a:xfrm>
+            <a:prstGeom prst="rect">
+              <a:avLst/>
+            </a:prstGeom>
+            <a:grpFill/>
+          </p:spPr>
+          <p:txBody>
+            <a:bodyPr wrap="none" rtlCol="0">
+              <a:spAutoFit/>
+            </a:bodyPr>
+            <a:lstStyle/>
+            <a:p>
+              <a:pPr algn="r"/>
+              <a:r>
+                <a:rPr lang="hr-HR" dirty="0" smtClean="0"/>
+                <a:t>Somalija</a:t>
+              </a:r>
+              <a:endParaRPr lang="hr-HR" dirty="0"/>
+            </a:p>
+          </p:txBody>
+        </p:sp>
+        <p:sp>
+          <p:nvSpPr>
+            <p:cNvPr id="37" name="TextBox 36"/>
+            <p:cNvSpPr txBox="1"/>
+            <p:nvPr/>
+          </p:nvSpPr>
+          <p:spPr>
+            <a:xfrm rot="16200000">
+              <a:off x="1065065" y="5171509"/>
+              <a:ext cx="1439753" cy="369332"/>
+            </a:xfrm>
+            <a:prstGeom prst="rect">
+              <a:avLst/>
+            </a:prstGeom>
+            <a:grpFill/>
+          </p:spPr>
+          <p:txBody>
+            <a:bodyPr wrap="none" rtlCol="0">
+              <a:spAutoFit/>
+            </a:bodyPr>
+            <a:lstStyle/>
+            <a:p>
+              <a:pPr algn="r"/>
+              <a:r>
+                <a:rPr lang="hr-HR" dirty="0" smtClean="0"/>
+                <a:t>Gvineja Bisau</a:t>
+              </a:r>
+              <a:endParaRPr lang="hr-HR" dirty="0"/>
+            </a:p>
+          </p:txBody>
+        </p:sp>
+        <p:sp>
+          <p:nvSpPr>
+            <p:cNvPr id="38" name="TextBox 37"/>
+            <p:cNvSpPr txBox="1"/>
+            <p:nvPr/>
+          </p:nvSpPr>
+          <p:spPr>
+            <a:xfrm rot="16200000">
+              <a:off x="1564524" y="5142366"/>
+              <a:ext cx="1524455" cy="512320"/>
+            </a:xfrm>
+            <a:prstGeom prst="rect">
+              <a:avLst/>
+            </a:prstGeom>
+            <a:grpFill/>
+          </p:spPr>
+          <p:txBody>
+            <a:bodyPr wrap="none" rtlCol="0" anchor="ctr">
+              <a:spAutoFit/>
+            </a:bodyPr>
+            <a:lstStyle/>
+            <a:p>
+              <a:pPr algn="r">
+                <a:lnSpc>
+                  <a:spcPts val="1600"/>
+                </a:lnSpc>
+              </a:pPr>
+              <a:r>
+                <a:rPr lang="hr-HR" dirty="0" smtClean="0"/>
+                <a:t>Srednjoafrička</a:t>
+              </a:r>
+            </a:p>
+            <a:p>
+              <a:pPr algn="r">
+                <a:lnSpc>
+                  <a:spcPts val="1600"/>
+                </a:lnSpc>
+              </a:pPr>
+              <a:r>
+                <a:rPr lang="hr-HR" dirty="0" smtClean="0"/>
+                <a:t> republika</a:t>
+              </a:r>
+              <a:endParaRPr lang="hr-HR" dirty="0"/>
+            </a:p>
+          </p:txBody>
+        </p:sp>
+        <p:sp>
+          <p:nvSpPr>
+            <p:cNvPr id="39" name="TextBox 38"/>
+            <p:cNvSpPr txBox="1"/>
+            <p:nvPr/>
+          </p:nvSpPr>
+          <p:spPr>
+            <a:xfrm rot="16200000">
+              <a:off x="2598293" y="4721899"/>
+              <a:ext cx="540533" cy="369332"/>
+            </a:xfrm>
+            <a:prstGeom prst="rect">
+              <a:avLst/>
+            </a:prstGeom>
+            <a:grpFill/>
+          </p:spPr>
+          <p:txBody>
+            <a:bodyPr wrap="none" rtlCol="0">
+              <a:spAutoFit/>
+            </a:bodyPr>
+            <a:lstStyle/>
+            <a:p>
+              <a:pPr algn="r"/>
+              <a:r>
+                <a:rPr lang="hr-HR" dirty="0" smtClean="0"/>
+                <a:t>Čad</a:t>
+              </a:r>
+              <a:endParaRPr lang="hr-HR" dirty="0"/>
+            </a:p>
+          </p:txBody>
+        </p:sp>
+        <p:sp>
+          <p:nvSpPr>
+            <p:cNvPr id="40" name="TextBox 39"/>
+            <p:cNvSpPr txBox="1"/>
+            <p:nvPr/>
+          </p:nvSpPr>
+          <p:spPr>
+            <a:xfrm rot="16200000">
+              <a:off x="2982679" y="4976776"/>
+              <a:ext cx="1183657" cy="502702"/>
+            </a:xfrm>
+            <a:prstGeom prst="rect">
+              <a:avLst/>
+            </a:prstGeom>
+            <a:grpFill/>
+          </p:spPr>
+          <p:txBody>
+            <a:bodyPr wrap="none" rtlCol="0" anchor="ctr">
+              <a:spAutoFit/>
+            </a:bodyPr>
+            <a:lstStyle/>
+            <a:p>
+              <a:pPr algn="r">
+                <a:lnSpc>
+                  <a:spcPts val="1600"/>
+                </a:lnSpc>
+              </a:pPr>
+              <a:r>
+                <a:rPr lang="hr-HR" dirty="0" smtClean="0"/>
+                <a:t>Ekvatorska</a:t>
+              </a:r>
+            </a:p>
+            <a:p>
+              <a:pPr algn="r">
+                <a:lnSpc>
+                  <a:spcPts val="1600"/>
+                </a:lnSpc>
+              </a:pPr>
+              <a:r>
+                <a:rPr lang="hr-HR" dirty="0" smtClean="0"/>
+                <a:t>Gvineja</a:t>
+              </a:r>
+              <a:endParaRPr lang="hr-HR" dirty="0"/>
+            </a:p>
+          </p:txBody>
+        </p:sp>
+        <p:sp>
+          <p:nvSpPr>
+            <p:cNvPr id="41" name="TextBox 40"/>
+            <p:cNvSpPr txBox="1"/>
+            <p:nvPr/>
+          </p:nvSpPr>
+          <p:spPr>
+            <a:xfrm rot="16200000">
+              <a:off x="3755740" y="4788840"/>
+              <a:ext cx="674415" cy="369332"/>
+            </a:xfrm>
+            <a:prstGeom prst="rect">
+              <a:avLst/>
+            </a:prstGeom>
+            <a:grpFill/>
+          </p:spPr>
+          <p:txBody>
+            <a:bodyPr wrap="none" rtlCol="0">
+              <a:spAutoFit/>
+            </a:bodyPr>
+            <a:lstStyle/>
+            <a:p>
+              <a:pPr algn="r"/>
+              <a:r>
+                <a:rPr lang="hr-HR" dirty="0" smtClean="0"/>
+                <a:t>Katar</a:t>
+              </a:r>
+              <a:endParaRPr lang="hr-HR" dirty="0"/>
+            </a:p>
+          </p:txBody>
+        </p:sp>
+        <p:sp>
+          <p:nvSpPr>
+            <p:cNvPr id="42" name="TextBox 41"/>
+            <p:cNvSpPr txBox="1"/>
+            <p:nvPr/>
+          </p:nvSpPr>
+          <p:spPr>
+            <a:xfrm rot="16200000">
+              <a:off x="4249038" y="4853345"/>
+              <a:ext cx="803425" cy="369332"/>
+            </a:xfrm>
+            <a:prstGeom prst="rect">
+              <a:avLst/>
+            </a:prstGeom>
+            <a:grpFill/>
+          </p:spPr>
+          <p:txBody>
+            <a:bodyPr wrap="none" rtlCol="0">
+              <a:spAutoFit/>
+            </a:bodyPr>
+            <a:lstStyle/>
+            <a:p>
+              <a:pPr algn="r"/>
+              <a:r>
+                <a:rPr lang="hr-HR" dirty="0" smtClean="0"/>
+                <a:t>Brunej</a:t>
+              </a:r>
+              <a:endParaRPr lang="hr-HR" dirty="0"/>
+            </a:p>
+          </p:txBody>
+        </p:sp>
+        <p:sp>
+          <p:nvSpPr>
+            <p:cNvPr id="43" name="TextBox 42"/>
+            <p:cNvSpPr txBox="1"/>
+            <p:nvPr/>
+          </p:nvSpPr>
+          <p:spPr>
+            <a:xfrm rot="16200000">
+              <a:off x="4326162" y="5324147"/>
+              <a:ext cx="1745029" cy="369332"/>
+            </a:xfrm>
+            <a:prstGeom prst="rect">
+              <a:avLst/>
+            </a:prstGeom>
+            <a:grpFill/>
+          </p:spPr>
+          <p:txBody>
+            <a:bodyPr wrap="none" rtlCol="0">
+              <a:spAutoFit/>
+            </a:bodyPr>
+            <a:lstStyle/>
+            <a:p>
+              <a:pPr algn="r"/>
+              <a:r>
+                <a:rPr lang="hr-HR" dirty="0" smtClean="0"/>
+                <a:t>Republika Kongo</a:t>
+              </a:r>
+              <a:endParaRPr lang="hr-HR" dirty="0"/>
+            </a:p>
+          </p:txBody>
+        </p:sp>
+        <p:sp>
+          <p:nvSpPr>
+            <p:cNvPr id="44" name="TextBox 43"/>
+            <p:cNvSpPr txBox="1"/>
+            <p:nvPr/>
+          </p:nvSpPr>
+          <p:spPr>
+            <a:xfrm rot="16200000">
+              <a:off x="5187732" y="4988030"/>
+              <a:ext cx="1072794" cy="369332"/>
+            </a:xfrm>
+            <a:prstGeom prst="rect">
+              <a:avLst/>
+            </a:prstGeom>
+            <a:grpFill/>
+          </p:spPr>
+          <p:txBody>
+            <a:bodyPr wrap="none" rtlCol="0">
+              <a:spAutoFit/>
+            </a:bodyPr>
+            <a:lstStyle/>
+            <a:p>
+              <a:pPr algn="r"/>
+              <a:r>
+                <a:rPr lang="hr-HR" dirty="0" smtClean="0"/>
+                <a:t>S- Arabija</a:t>
+              </a:r>
+              <a:endParaRPr lang="hr-HR" dirty="0"/>
+            </a:p>
+          </p:txBody>
+        </p:sp>
+        <p:sp>
+          <p:nvSpPr>
+            <p:cNvPr id="45" name="TextBox 44"/>
+            <p:cNvSpPr txBox="1"/>
+            <p:nvPr/>
+          </p:nvSpPr>
+          <p:spPr>
+            <a:xfrm rot="16200000">
+              <a:off x="5935669" y="4928815"/>
+              <a:ext cx="954364" cy="369332"/>
+            </a:xfrm>
+            <a:prstGeom prst="rect">
+              <a:avLst/>
+            </a:prstGeom>
+            <a:grpFill/>
+          </p:spPr>
+          <p:txBody>
+            <a:bodyPr wrap="none" rtlCol="0">
+              <a:spAutoFit/>
+            </a:bodyPr>
+            <a:lstStyle/>
+            <a:p>
+              <a:pPr algn="r"/>
+              <a:r>
+                <a:rPr lang="hr-HR" dirty="0" smtClean="0"/>
+                <a:t>Monako</a:t>
+              </a:r>
+              <a:endParaRPr lang="hr-HR" dirty="0"/>
+            </a:p>
+          </p:txBody>
+        </p:sp>
+        <p:sp>
+          <p:nvSpPr>
+            <p:cNvPr id="46" name="TextBox 45"/>
+            <p:cNvSpPr txBox="1"/>
+            <p:nvPr/>
+          </p:nvSpPr>
+          <p:spPr>
+            <a:xfrm rot="16200000">
+              <a:off x="6539534" y="4896626"/>
+              <a:ext cx="889987" cy="369332"/>
+            </a:xfrm>
+            <a:prstGeom prst="rect">
+              <a:avLst/>
+            </a:prstGeom>
+            <a:grpFill/>
+          </p:spPr>
+          <p:txBody>
+            <a:bodyPr wrap="none" rtlCol="0">
+              <a:spAutoFit/>
+            </a:bodyPr>
+            <a:lstStyle/>
+            <a:p>
+              <a:pPr algn="r"/>
+              <a:r>
+                <a:rPr lang="hr-HR" dirty="0" smtClean="0"/>
+                <a:t>Bahami</a:t>
+              </a:r>
+              <a:endParaRPr lang="hr-HR" dirty="0"/>
+            </a:p>
+          </p:txBody>
+        </p:sp>
+        <p:sp>
+          <p:nvSpPr>
+            <p:cNvPr id="47" name="TextBox 46"/>
+            <p:cNvSpPr txBox="1"/>
+            <p:nvPr/>
+          </p:nvSpPr>
+          <p:spPr>
+            <a:xfrm rot="16200000">
+              <a:off x="6830195" y="5114411"/>
+              <a:ext cx="1325556" cy="369332"/>
+            </a:xfrm>
+            <a:prstGeom prst="rect">
+              <a:avLst/>
+            </a:prstGeom>
+            <a:grpFill/>
+          </p:spPr>
+          <p:txBody>
+            <a:bodyPr wrap="none" rtlCol="0">
+              <a:spAutoFit/>
+            </a:bodyPr>
+            <a:lstStyle/>
+            <a:p>
+              <a:pPr algn="r"/>
+              <a:r>
+                <a:rPr lang="hr-HR" dirty="0" smtClean="0"/>
+                <a:t>Luksemburg</a:t>
+              </a:r>
+              <a:endParaRPr lang="hr-HR" dirty="0"/>
+            </a:p>
+          </p:txBody>
+        </p:sp>
+        <p:sp>
+          <p:nvSpPr>
+            <p:cNvPr id="48" name="TextBox 47"/>
+            <p:cNvSpPr txBox="1"/>
+            <p:nvPr/>
+          </p:nvSpPr>
+          <p:spPr>
+            <a:xfrm rot="16200000">
+              <a:off x="7499872" y="4984792"/>
+              <a:ext cx="1066318" cy="369332"/>
+            </a:xfrm>
+            <a:prstGeom prst="rect">
+              <a:avLst/>
+            </a:prstGeom>
+            <a:grpFill/>
+          </p:spPr>
+          <p:txBody>
+            <a:bodyPr wrap="none" rtlCol="0">
+              <a:spAutoFit/>
+            </a:bodyPr>
+            <a:lstStyle/>
+            <a:p>
+              <a:pPr algn="r"/>
+              <a:r>
+                <a:rPr lang="hr-HR" dirty="0" smtClean="0"/>
+                <a:t>Barbados</a:t>
+              </a:r>
+              <a:endParaRPr lang="hr-HR" dirty="0"/>
+            </a:p>
+          </p:txBody>
+        </p:sp>
+        <p:sp>
+          <p:nvSpPr>
+            <p:cNvPr id="49" name="TextBox 48"/>
+            <p:cNvSpPr txBox="1"/>
+            <p:nvPr/>
+          </p:nvSpPr>
+          <p:spPr>
+            <a:xfrm rot="16200000">
+              <a:off x="8282158" y="4788423"/>
+              <a:ext cx="673582" cy="369332"/>
+            </a:xfrm>
+            <a:prstGeom prst="rect">
+              <a:avLst/>
+            </a:prstGeom>
+            <a:grpFill/>
+          </p:spPr>
+          <p:txBody>
+            <a:bodyPr wrap="none" rtlCol="0">
+              <a:spAutoFit/>
+            </a:bodyPr>
+            <a:lstStyle/>
+            <a:p>
+              <a:pPr algn="r"/>
+              <a:r>
+                <a:rPr lang="hr-HR" dirty="0" smtClean="0"/>
+                <a:t>Cipar</a:t>
+              </a:r>
+              <a:endParaRPr lang="hr-HR" dirty="0"/>
+            </a:p>
+          </p:txBody>
+        </p:sp>
+      </p:grpSp>
     </p:spTree>
     <p:extLst>
       <p:ext uri="{BB962C8B-B14F-4D97-AF65-F5344CB8AC3E}">
@@ -8402,7 +8849,7 @@
                                           </p:stCondLst>
                                         </p:cTn>
                                         <p:tgtEl>
-                                          <p:spTgt spid="33"/>
+                                          <p:spTgt spid="35"/>
                                         </p:tgtEl>
                                         <p:attrNameLst>
                                           <p:attrName>style.visibility</p:attrName>
@@ -8416,7 +8863,7 @@
                                       <p:cBhvr>
                                         <p:cTn id="100" dur="250"/>
                                         <p:tgtEl>
-                                          <p:spTgt spid="33"/>
+                                          <p:spTgt spid="35"/>
                                         </p:tgtEl>
                                       </p:cBhvr>
                                     </p:animEffect>
